--- a/study-note/자바/2022-09-19 내용정리 .pptx
+++ b/study-note/자바/2022-09-19 내용정리 .pptx
@@ -3752,7 +3752,7 @@
           <a:lstStyle/>
           <a:p>
             <a:r>
-              <a:rPr lang="en-US" altLang="ko-KR"/>
+              <a:rPr lang="en-US" altLang="ko-KR" dirty="0"/>
               <a:t>2022-09-19 </a:t>
             </a:r>
             <a:r>
@@ -25543,6 +25543,718 @@
           <a:chExt cx="0" cy="0"/>
         </a:xfrm>
       </p:grpSpPr>
+      <p:sp>
+        <p:nvSpPr>
+          <p:cNvPr id="2" name="직사각형 1">
+            <a:extLst>
+              <a:ext uri="{FF2B5EF4-FFF2-40B4-BE49-F238E27FC236}">
+                <a16:creationId xmlns:a16="http://schemas.microsoft.com/office/drawing/2014/main" id="{E7683736-6C51-683F-59EE-66FAE324DB38}"/>
+              </a:ext>
+            </a:extLst>
+          </p:cNvPr>
+          <p:cNvSpPr/>
+          <p:nvPr/>
+        </p:nvSpPr>
+        <p:spPr>
+          <a:xfrm>
+            <a:off x="765543" y="701750"/>
+            <a:ext cx="1265275" cy="1020725"/>
+          </a:xfrm>
+          <a:prstGeom prst="rect">
+            <a:avLst/>
+          </a:prstGeom>
+        </p:spPr>
+        <p:style>
+          <a:lnRef idx="2">
+            <a:schemeClr val="accent1">
+              <a:shade val="50000"/>
+            </a:schemeClr>
+          </a:lnRef>
+          <a:fillRef idx="1">
+            <a:schemeClr val="accent1"/>
+          </a:fillRef>
+          <a:effectRef idx="0">
+            <a:schemeClr val="accent1"/>
+          </a:effectRef>
+          <a:fontRef idx="minor">
+            <a:schemeClr val="lt1"/>
+          </a:fontRef>
+        </p:style>
+        <p:txBody>
+          <a:bodyPr rtlCol="0" anchor="ctr"/>
+          <a:lstStyle/>
+          <a:p>
+            <a:pPr algn="ctr"/>
+            <a:r>
+              <a:rPr kumimoji="1" lang="en-US" altLang="ko-Kore-KR" dirty="0"/>
+              <a:t>Web</a:t>
+            </a:r>
+          </a:p>
+          <a:p>
+            <a:pPr algn="ctr"/>
+            <a:r>
+              <a:rPr kumimoji="1" lang="en-US" altLang="ko-Kore-KR" dirty="0"/>
+              <a:t>Browser</a:t>
+            </a:r>
+            <a:endParaRPr kumimoji="1" lang="ko-Kore-KR" altLang="en-US" dirty="0"/>
+          </a:p>
+        </p:txBody>
+      </p:sp>
+      <p:sp>
+        <p:nvSpPr>
+          <p:cNvPr id="3" name="직사각형 2">
+            <a:extLst>
+              <a:ext uri="{FF2B5EF4-FFF2-40B4-BE49-F238E27FC236}">
+                <a16:creationId xmlns:a16="http://schemas.microsoft.com/office/drawing/2014/main" id="{1214C8E9-580E-53E1-16BB-FD4FA9D2DD95}"/>
+              </a:ext>
+            </a:extLst>
+          </p:cNvPr>
+          <p:cNvSpPr/>
+          <p:nvPr/>
+        </p:nvSpPr>
+        <p:spPr>
+          <a:xfrm>
+            <a:off x="4199860" y="861239"/>
+            <a:ext cx="2179675" cy="701748"/>
+          </a:xfrm>
+          <a:prstGeom prst="rect">
+            <a:avLst/>
+          </a:prstGeom>
+        </p:spPr>
+        <p:style>
+          <a:lnRef idx="2">
+            <a:schemeClr val="accent1">
+              <a:shade val="50000"/>
+            </a:schemeClr>
+          </a:lnRef>
+          <a:fillRef idx="1">
+            <a:schemeClr val="accent1"/>
+          </a:fillRef>
+          <a:effectRef idx="0">
+            <a:schemeClr val="accent1"/>
+          </a:effectRef>
+          <a:fontRef idx="minor">
+            <a:schemeClr val="lt1"/>
+          </a:fontRef>
+        </p:style>
+        <p:txBody>
+          <a:bodyPr rtlCol="0" anchor="ctr"/>
+          <a:lstStyle/>
+          <a:p>
+            <a:pPr algn="ctr"/>
+            <a:r>
+              <a:rPr kumimoji="1" lang="en-US" altLang="ko-Kore-KR" dirty="0" err="1"/>
+              <a:t>MiniWebServer</a:t>
+            </a:r>
+            <a:endParaRPr kumimoji="1" lang="ko-Kore-KR" altLang="en-US" dirty="0"/>
+          </a:p>
+        </p:txBody>
+      </p:sp>
+      <p:cxnSp>
+        <p:nvCxnSpPr>
+          <p:cNvPr id="5" name="구부러진 연결선[U] 4">
+            <a:extLst>
+              <a:ext uri="{FF2B5EF4-FFF2-40B4-BE49-F238E27FC236}">
+                <a16:creationId xmlns:a16="http://schemas.microsoft.com/office/drawing/2014/main" id="{013581E3-E153-4FB4-5D60-BF9CA14700B4}"/>
+              </a:ext>
+            </a:extLst>
+          </p:cNvPr>
+          <p:cNvCxnSpPr>
+            <a:stCxn id="2" idx="0"/>
+            <a:endCxn id="3" idx="0"/>
+          </p:cNvCxnSpPr>
+          <p:nvPr/>
+        </p:nvCxnSpPr>
+        <p:spPr>
+          <a:xfrm rot="16200000" flipH="1">
+            <a:off x="3264194" y="-1164264"/>
+            <a:ext cx="159489" cy="3891517"/>
+          </a:xfrm>
+          <a:prstGeom prst="curvedConnector3">
+            <a:avLst>
+              <a:gd name="adj1" fmla="val -143333"/>
+            </a:avLst>
+          </a:prstGeom>
+          <a:ln>
+            <a:tailEnd type="triangle"/>
+          </a:ln>
+        </p:spPr>
+        <p:style>
+          <a:lnRef idx="3">
+            <a:schemeClr val="accent1"/>
+          </a:lnRef>
+          <a:fillRef idx="0">
+            <a:schemeClr val="accent1"/>
+          </a:fillRef>
+          <a:effectRef idx="2">
+            <a:schemeClr val="accent1"/>
+          </a:effectRef>
+          <a:fontRef idx="minor">
+            <a:schemeClr val="tx1"/>
+          </a:fontRef>
+        </p:style>
+      </p:cxnSp>
+      <p:cxnSp>
+        <p:nvCxnSpPr>
+          <p:cNvPr id="6" name="구부러진 연결선[U] 5">
+            <a:extLst>
+              <a:ext uri="{FF2B5EF4-FFF2-40B4-BE49-F238E27FC236}">
+                <a16:creationId xmlns:a16="http://schemas.microsoft.com/office/drawing/2014/main" id="{973286E1-229B-F35A-BC98-9EB5D7968E8A}"/>
+              </a:ext>
+            </a:extLst>
+          </p:cNvPr>
+          <p:cNvCxnSpPr>
+            <a:cxnSpLocks/>
+            <a:stCxn id="3" idx="2"/>
+            <a:endCxn id="2" idx="2"/>
+          </p:cNvCxnSpPr>
+          <p:nvPr/>
+        </p:nvCxnSpPr>
+        <p:spPr>
+          <a:xfrm rot="5400000">
+            <a:off x="3264196" y="-303027"/>
+            <a:ext cx="159488" cy="3891517"/>
+          </a:xfrm>
+          <a:prstGeom prst="curvedConnector3">
+            <a:avLst>
+              <a:gd name="adj1" fmla="val 243334"/>
+            </a:avLst>
+          </a:prstGeom>
+          <a:ln>
+            <a:tailEnd type="triangle"/>
+          </a:ln>
+        </p:spPr>
+        <p:style>
+          <a:lnRef idx="3">
+            <a:schemeClr val="accent1"/>
+          </a:lnRef>
+          <a:fillRef idx="0">
+            <a:schemeClr val="accent1"/>
+          </a:fillRef>
+          <a:effectRef idx="2">
+            <a:schemeClr val="accent1"/>
+          </a:effectRef>
+          <a:fontRef idx="minor">
+            <a:schemeClr val="tx1"/>
+          </a:fontRef>
+        </p:style>
+      </p:cxnSp>
+      <p:cxnSp>
+        <p:nvCxnSpPr>
+          <p:cNvPr id="10" name="직선 연결선[R] 9">
+            <a:extLst>
+              <a:ext uri="{FF2B5EF4-FFF2-40B4-BE49-F238E27FC236}">
+                <a16:creationId xmlns:a16="http://schemas.microsoft.com/office/drawing/2014/main" id="{3C652FA2-7B3F-69DB-833E-8B05E83A5480}"/>
+              </a:ext>
+            </a:extLst>
+          </p:cNvPr>
+          <p:cNvCxnSpPr>
+            <a:stCxn id="3" idx="0"/>
+            <a:endCxn id="3" idx="2"/>
+          </p:cNvCxnSpPr>
+          <p:nvPr/>
+        </p:nvCxnSpPr>
+        <p:spPr>
+          <a:xfrm>
+            <a:off x="5289698" y="861239"/>
+            <a:ext cx="0" cy="701748"/>
+          </a:xfrm>
+          <a:prstGeom prst="line">
+            <a:avLst/>
+          </a:prstGeom>
+        </p:spPr>
+        <p:style>
+          <a:lnRef idx="3">
+            <a:schemeClr val="accent4"/>
+          </a:lnRef>
+          <a:fillRef idx="0">
+            <a:schemeClr val="accent4"/>
+          </a:fillRef>
+          <a:effectRef idx="2">
+            <a:schemeClr val="accent4"/>
+          </a:effectRef>
+          <a:fontRef idx="minor">
+            <a:schemeClr val="tx1"/>
+          </a:fontRef>
+        </p:style>
+      </p:cxnSp>
+      <p:sp>
+        <p:nvSpPr>
+          <p:cNvPr id="11" name="직사각형 10">
+            <a:extLst>
+              <a:ext uri="{FF2B5EF4-FFF2-40B4-BE49-F238E27FC236}">
+                <a16:creationId xmlns:a16="http://schemas.microsoft.com/office/drawing/2014/main" id="{C2620523-AA6F-B1D7-2946-DE478F21DCA0}"/>
+              </a:ext>
+            </a:extLst>
+          </p:cNvPr>
+          <p:cNvSpPr/>
+          <p:nvPr/>
+        </p:nvSpPr>
+        <p:spPr>
+          <a:xfrm>
+            <a:off x="765543" y="3065722"/>
+            <a:ext cx="1265275" cy="1020725"/>
+          </a:xfrm>
+          <a:prstGeom prst="rect">
+            <a:avLst/>
+          </a:prstGeom>
+        </p:spPr>
+        <p:style>
+          <a:lnRef idx="2">
+            <a:schemeClr val="accent1">
+              <a:shade val="50000"/>
+            </a:schemeClr>
+          </a:lnRef>
+          <a:fillRef idx="1">
+            <a:schemeClr val="accent1"/>
+          </a:fillRef>
+          <a:effectRef idx="0">
+            <a:schemeClr val="accent1"/>
+          </a:effectRef>
+          <a:fontRef idx="minor">
+            <a:schemeClr val="lt1"/>
+          </a:fontRef>
+        </p:style>
+        <p:txBody>
+          <a:bodyPr rtlCol="0" anchor="ctr"/>
+          <a:lstStyle/>
+          <a:p>
+            <a:pPr algn="ctr"/>
+            <a:r>
+              <a:rPr kumimoji="1" lang="en-US" altLang="ko-Kore-KR" dirty="0"/>
+              <a:t>Web</a:t>
+            </a:r>
+          </a:p>
+          <a:p>
+            <a:pPr algn="ctr"/>
+            <a:r>
+              <a:rPr kumimoji="1" lang="en-US" altLang="ko-Kore-KR" dirty="0"/>
+              <a:t>Browser</a:t>
+            </a:r>
+            <a:endParaRPr kumimoji="1" lang="ko-Kore-KR" altLang="en-US" dirty="0"/>
+          </a:p>
+        </p:txBody>
+      </p:sp>
+      <p:sp>
+        <p:nvSpPr>
+          <p:cNvPr id="12" name="직사각형 11">
+            <a:extLst>
+              <a:ext uri="{FF2B5EF4-FFF2-40B4-BE49-F238E27FC236}">
+                <a16:creationId xmlns:a16="http://schemas.microsoft.com/office/drawing/2014/main" id="{B2225C49-C482-1267-7153-7B4B6D4B238C}"/>
+              </a:ext>
+            </a:extLst>
+          </p:cNvPr>
+          <p:cNvSpPr/>
+          <p:nvPr/>
+        </p:nvSpPr>
+        <p:spPr>
+          <a:xfrm>
+            <a:off x="2895600" y="3225210"/>
+            <a:ext cx="2179675" cy="701748"/>
+          </a:xfrm>
+          <a:prstGeom prst="rect">
+            <a:avLst/>
+          </a:prstGeom>
+        </p:spPr>
+        <p:style>
+          <a:lnRef idx="2">
+            <a:schemeClr val="accent1">
+              <a:shade val="50000"/>
+            </a:schemeClr>
+          </a:lnRef>
+          <a:fillRef idx="1">
+            <a:schemeClr val="accent1"/>
+          </a:fillRef>
+          <a:effectRef idx="0">
+            <a:schemeClr val="accent1"/>
+          </a:effectRef>
+          <a:fontRef idx="minor">
+            <a:schemeClr val="lt1"/>
+          </a:fontRef>
+        </p:style>
+        <p:txBody>
+          <a:bodyPr rtlCol="0" anchor="ctr"/>
+          <a:lstStyle/>
+          <a:p>
+            <a:pPr algn="ctr"/>
+            <a:r>
+              <a:rPr kumimoji="1" lang="en-US" altLang="ko-Kore-KR" dirty="0" err="1"/>
+              <a:t>MiniWebServer</a:t>
+            </a:r>
+            <a:endParaRPr kumimoji="1" lang="ko-Kore-KR" altLang="en-US" dirty="0"/>
+          </a:p>
+        </p:txBody>
+      </p:sp>
+      <p:sp>
+        <p:nvSpPr>
+          <p:cNvPr id="13" name="직사각형 12">
+            <a:extLst>
+              <a:ext uri="{FF2B5EF4-FFF2-40B4-BE49-F238E27FC236}">
+                <a16:creationId xmlns:a16="http://schemas.microsoft.com/office/drawing/2014/main" id="{093FD7CA-9543-44FD-B976-2D64E3A752EA}"/>
+              </a:ext>
+            </a:extLst>
+          </p:cNvPr>
+          <p:cNvSpPr/>
+          <p:nvPr/>
+        </p:nvSpPr>
+        <p:spPr>
+          <a:xfrm>
+            <a:off x="6184605" y="3225210"/>
+            <a:ext cx="2523460" cy="701748"/>
+          </a:xfrm>
+          <a:prstGeom prst="rect">
+            <a:avLst/>
+          </a:prstGeom>
+        </p:spPr>
+        <p:style>
+          <a:lnRef idx="2">
+            <a:schemeClr val="accent1">
+              <a:shade val="50000"/>
+            </a:schemeClr>
+          </a:lnRef>
+          <a:fillRef idx="1">
+            <a:schemeClr val="accent1"/>
+          </a:fillRef>
+          <a:effectRef idx="0">
+            <a:schemeClr val="accent1"/>
+          </a:effectRef>
+          <a:fontRef idx="minor">
+            <a:schemeClr val="lt1"/>
+          </a:fontRef>
+        </p:style>
+        <p:txBody>
+          <a:bodyPr rtlCol="0" anchor="ctr"/>
+          <a:lstStyle/>
+          <a:p>
+            <a:pPr algn="ctr"/>
+            <a:r>
+              <a:rPr kumimoji="1" lang="en-US" altLang="ko-Kore-KR" dirty="0" err="1"/>
+              <a:t>ApplicationContainer</a:t>
+            </a:r>
+            <a:endParaRPr kumimoji="1" lang="ko-Kore-KR" altLang="en-US" dirty="0"/>
+          </a:p>
+        </p:txBody>
+      </p:sp>
+      <p:sp>
+        <p:nvSpPr>
+          <p:cNvPr id="14" name="직사각형 13">
+            <a:extLst>
+              <a:ext uri="{FF2B5EF4-FFF2-40B4-BE49-F238E27FC236}">
+                <a16:creationId xmlns:a16="http://schemas.microsoft.com/office/drawing/2014/main" id="{20686ED2-A52E-F0C1-D558-B148898AF561}"/>
+              </a:ext>
+            </a:extLst>
+          </p:cNvPr>
+          <p:cNvSpPr/>
+          <p:nvPr/>
+        </p:nvSpPr>
+        <p:spPr>
+          <a:xfrm>
+            <a:off x="10051313" y="3225210"/>
+            <a:ext cx="1375144" cy="701748"/>
+          </a:xfrm>
+          <a:prstGeom prst="rect">
+            <a:avLst/>
+          </a:prstGeom>
+        </p:spPr>
+        <p:style>
+          <a:lnRef idx="2">
+            <a:schemeClr val="accent1">
+              <a:shade val="50000"/>
+            </a:schemeClr>
+          </a:lnRef>
+          <a:fillRef idx="1">
+            <a:schemeClr val="accent1"/>
+          </a:fillRef>
+          <a:effectRef idx="0">
+            <a:schemeClr val="accent1"/>
+          </a:effectRef>
+          <a:fontRef idx="minor">
+            <a:schemeClr val="lt1"/>
+          </a:fontRef>
+        </p:style>
+        <p:txBody>
+          <a:bodyPr rtlCol="0" anchor="ctr"/>
+          <a:lstStyle/>
+          <a:p>
+            <a:pPr algn="ctr"/>
+            <a:r>
+              <a:rPr kumimoji="1" lang="en-US" altLang="ko-Kore-KR" dirty="0"/>
+              <a:t>Servlet</a:t>
+            </a:r>
+            <a:endParaRPr kumimoji="1" lang="ko-Kore-KR" altLang="en-US" dirty="0"/>
+          </a:p>
+        </p:txBody>
+      </p:sp>
+      <p:cxnSp>
+        <p:nvCxnSpPr>
+          <p:cNvPr id="15" name="구부러진 연결선[U] 14">
+            <a:extLst>
+              <a:ext uri="{FF2B5EF4-FFF2-40B4-BE49-F238E27FC236}">
+                <a16:creationId xmlns:a16="http://schemas.microsoft.com/office/drawing/2014/main" id="{5F3F107A-695F-F439-9ECE-FF74057CCBC3}"/>
+              </a:ext>
+            </a:extLst>
+          </p:cNvPr>
+          <p:cNvCxnSpPr>
+            <a:cxnSpLocks/>
+            <a:stCxn id="11" idx="0"/>
+            <a:endCxn id="12" idx="0"/>
+          </p:cNvCxnSpPr>
+          <p:nvPr/>
+        </p:nvCxnSpPr>
+        <p:spPr>
+          <a:xfrm rot="16200000" flipH="1">
+            <a:off x="2612065" y="1851838"/>
+            <a:ext cx="159488" cy="2587257"/>
+          </a:xfrm>
+          <a:prstGeom prst="curvedConnector3">
+            <a:avLst>
+              <a:gd name="adj1" fmla="val -143334"/>
+            </a:avLst>
+          </a:prstGeom>
+          <a:ln>
+            <a:tailEnd type="triangle"/>
+          </a:ln>
+        </p:spPr>
+        <p:style>
+          <a:lnRef idx="3">
+            <a:schemeClr val="accent1"/>
+          </a:lnRef>
+          <a:fillRef idx="0">
+            <a:schemeClr val="accent1"/>
+          </a:fillRef>
+          <a:effectRef idx="2">
+            <a:schemeClr val="accent1"/>
+          </a:effectRef>
+          <a:fontRef idx="minor">
+            <a:schemeClr val="tx1"/>
+          </a:fontRef>
+        </p:style>
+      </p:cxnSp>
+      <p:cxnSp>
+        <p:nvCxnSpPr>
+          <p:cNvPr id="16" name="구부러진 연결선[U] 15">
+            <a:extLst>
+              <a:ext uri="{FF2B5EF4-FFF2-40B4-BE49-F238E27FC236}">
+                <a16:creationId xmlns:a16="http://schemas.microsoft.com/office/drawing/2014/main" id="{27054EE8-3188-B5E0-FEA1-2CDBD0B54C0C}"/>
+              </a:ext>
+            </a:extLst>
+          </p:cNvPr>
+          <p:cNvCxnSpPr>
+            <a:cxnSpLocks/>
+            <a:stCxn id="12" idx="2"/>
+            <a:endCxn id="11" idx="2"/>
+          </p:cNvCxnSpPr>
+          <p:nvPr/>
+        </p:nvCxnSpPr>
+        <p:spPr>
+          <a:xfrm rot="5400000">
+            <a:off x="2612066" y="2713074"/>
+            <a:ext cx="159489" cy="2587257"/>
+          </a:xfrm>
+          <a:prstGeom prst="curvedConnector3">
+            <a:avLst>
+              <a:gd name="adj1" fmla="val 243333"/>
+            </a:avLst>
+          </a:prstGeom>
+          <a:ln>
+            <a:tailEnd type="triangle"/>
+          </a:ln>
+        </p:spPr>
+        <p:style>
+          <a:lnRef idx="3">
+            <a:schemeClr val="accent1"/>
+          </a:lnRef>
+          <a:fillRef idx="0">
+            <a:schemeClr val="accent1"/>
+          </a:fillRef>
+          <a:effectRef idx="2">
+            <a:schemeClr val="accent1"/>
+          </a:effectRef>
+          <a:fontRef idx="minor">
+            <a:schemeClr val="tx1"/>
+          </a:fontRef>
+        </p:style>
+      </p:cxnSp>
+      <p:cxnSp>
+        <p:nvCxnSpPr>
+          <p:cNvPr id="23" name="구부러진 연결선[U] 22">
+            <a:extLst>
+              <a:ext uri="{FF2B5EF4-FFF2-40B4-BE49-F238E27FC236}">
+                <a16:creationId xmlns:a16="http://schemas.microsoft.com/office/drawing/2014/main" id="{95C2823C-F607-7A88-CB08-7E45A13735D7}"/>
+              </a:ext>
+            </a:extLst>
+          </p:cNvPr>
+          <p:cNvCxnSpPr>
+            <a:cxnSpLocks/>
+            <a:stCxn id="12" idx="0"/>
+            <a:endCxn id="13" idx="0"/>
+          </p:cNvCxnSpPr>
+          <p:nvPr/>
+        </p:nvCxnSpPr>
+        <p:spPr>
+          <a:xfrm rot="5400000" flipH="1" flipV="1">
+            <a:off x="5715886" y="1494762"/>
+            <a:ext cx="12700" cy="3460897"/>
+          </a:xfrm>
+          <a:prstGeom prst="curvedConnector3">
+            <a:avLst>
+              <a:gd name="adj1" fmla="val 1800000"/>
+            </a:avLst>
+          </a:prstGeom>
+          <a:ln>
+            <a:tailEnd type="triangle"/>
+          </a:ln>
+        </p:spPr>
+        <p:style>
+          <a:lnRef idx="3">
+            <a:schemeClr val="accent1"/>
+          </a:lnRef>
+          <a:fillRef idx="0">
+            <a:schemeClr val="accent1"/>
+          </a:fillRef>
+          <a:effectRef idx="2">
+            <a:schemeClr val="accent1"/>
+          </a:effectRef>
+          <a:fontRef idx="minor">
+            <a:schemeClr val="tx1"/>
+          </a:fontRef>
+        </p:style>
+      </p:cxnSp>
+      <p:cxnSp>
+        <p:nvCxnSpPr>
+          <p:cNvPr id="24" name="구부러진 연결선[U] 23">
+            <a:extLst>
+              <a:ext uri="{FF2B5EF4-FFF2-40B4-BE49-F238E27FC236}">
+                <a16:creationId xmlns:a16="http://schemas.microsoft.com/office/drawing/2014/main" id="{1E3724B7-C74B-48B3-9E23-45A25FC13585}"/>
+              </a:ext>
+            </a:extLst>
+          </p:cNvPr>
+          <p:cNvCxnSpPr>
+            <a:cxnSpLocks/>
+            <a:stCxn id="13" idx="2"/>
+            <a:endCxn id="12" idx="2"/>
+          </p:cNvCxnSpPr>
+          <p:nvPr/>
+        </p:nvCxnSpPr>
+        <p:spPr>
+          <a:xfrm rot="5400000">
+            <a:off x="5715887" y="2196510"/>
+            <a:ext cx="12700" cy="3460897"/>
+          </a:xfrm>
+          <a:prstGeom prst="curvedConnector3">
+            <a:avLst>
+              <a:gd name="adj1" fmla="val 1800000"/>
+            </a:avLst>
+          </a:prstGeom>
+          <a:ln>
+            <a:tailEnd type="triangle"/>
+          </a:ln>
+        </p:spPr>
+        <p:style>
+          <a:lnRef idx="3">
+            <a:schemeClr val="accent1"/>
+          </a:lnRef>
+          <a:fillRef idx="0">
+            <a:schemeClr val="accent1"/>
+          </a:fillRef>
+          <a:effectRef idx="2">
+            <a:schemeClr val="accent1"/>
+          </a:effectRef>
+          <a:fontRef idx="minor">
+            <a:schemeClr val="tx1"/>
+          </a:fontRef>
+        </p:style>
+      </p:cxnSp>
+      <p:cxnSp>
+        <p:nvCxnSpPr>
+          <p:cNvPr id="29" name="구부러진 연결선[U] 28">
+            <a:extLst>
+              <a:ext uri="{FF2B5EF4-FFF2-40B4-BE49-F238E27FC236}">
+                <a16:creationId xmlns:a16="http://schemas.microsoft.com/office/drawing/2014/main" id="{6F4D3F27-253A-A770-34A7-B53B0448CDCB}"/>
+              </a:ext>
+            </a:extLst>
+          </p:cNvPr>
+          <p:cNvCxnSpPr>
+            <a:cxnSpLocks/>
+            <a:stCxn id="13" idx="0"/>
+            <a:endCxn id="14" idx="0"/>
+          </p:cNvCxnSpPr>
+          <p:nvPr/>
+        </p:nvCxnSpPr>
+        <p:spPr>
+          <a:xfrm rot="5400000" flipH="1" flipV="1">
+            <a:off x="9092610" y="1578935"/>
+            <a:ext cx="12700" cy="3292550"/>
+          </a:xfrm>
+          <a:prstGeom prst="curvedConnector3">
+            <a:avLst>
+              <a:gd name="adj1" fmla="val 1800000"/>
+            </a:avLst>
+          </a:prstGeom>
+          <a:ln>
+            <a:tailEnd type="triangle"/>
+          </a:ln>
+        </p:spPr>
+        <p:style>
+          <a:lnRef idx="3">
+            <a:schemeClr val="accent1"/>
+          </a:lnRef>
+          <a:fillRef idx="0">
+            <a:schemeClr val="accent1"/>
+          </a:fillRef>
+          <a:effectRef idx="2">
+            <a:schemeClr val="accent1"/>
+          </a:effectRef>
+          <a:fontRef idx="minor">
+            <a:schemeClr val="tx1"/>
+          </a:fontRef>
+        </p:style>
+      </p:cxnSp>
+      <p:cxnSp>
+        <p:nvCxnSpPr>
+          <p:cNvPr id="30" name="구부러진 연결선[U] 29">
+            <a:extLst>
+              <a:ext uri="{FF2B5EF4-FFF2-40B4-BE49-F238E27FC236}">
+                <a16:creationId xmlns:a16="http://schemas.microsoft.com/office/drawing/2014/main" id="{11A7B711-BE77-032D-561E-0D671EF296E6}"/>
+              </a:ext>
+            </a:extLst>
+          </p:cNvPr>
+          <p:cNvCxnSpPr>
+            <a:cxnSpLocks/>
+            <a:stCxn id="14" idx="2"/>
+            <a:endCxn id="13" idx="2"/>
+          </p:cNvCxnSpPr>
+          <p:nvPr/>
+        </p:nvCxnSpPr>
+        <p:spPr>
+          <a:xfrm rot="5400000">
+            <a:off x="9092610" y="2280683"/>
+            <a:ext cx="12700" cy="3292550"/>
+          </a:xfrm>
+          <a:prstGeom prst="curvedConnector3">
+            <a:avLst>
+              <a:gd name="adj1" fmla="val 1800000"/>
+            </a:avLst>
+          </a:prstGeom>
+          <a:ln>
+            <a:tailEnd type="triangle"/>
+          </a:ln>
+        </p:spPr>
+        <p:style>
+          <a:lnRef idx="3">
+            <a:schemeClr val="accent1"/>
+          </a:lnRef>
+          <a:fillRef idx="0">
+            <a:schemeClr val="accent1"/>
+          </a:fillRef>
+          <a:effectRef idx="2">
+            <a:schemeClr val="accent1"/>
+          </a:effectRef>
+          <a:fontRef idx="minor">
+            <a:schemeClr val="tx1"/>
+          </a:fontRef>
+        </p:style>
+      </p:cxnSp>
     </p:spTree>
     <p:extLst>
       <p:ext uri="{BB962C8B-B14F-4D97-AF65-F5344CB8AC3E}">
